--- a/CN345/MLAI mini project.pptx
+++ b/CN345/MLAI mini project.pptx
@@ -3737,7 +3737,18 @@
             <a:pPr marL="0" indent="0">
               <a:buNone/>
             </a:pPr>
-            <a:endParaRPr lang="en-SG" dirty="0"/>
+            <a:r>
+              <a:rPr lang="en-SG" dirty="0"/>
+              <a:t>Collecting band new images can be difficult and </a:t>
+            </a:r>
+            <a:r>
+              <a:rPr lang="en-SG" dirty="0" err="1"/>
+              <a:t>labourous</a:t>
+            </a:r>
+            <a:r>
+              <a:rPr lang="en-SG" dirty="0"/>
+              <a:t>, thus some images from RPS dataset was reused to speed up the process. Because someone was supposed to do it but preferred to go hang out and get drunk</a:t>
+            </a:r>
           </a:p>
         </p:txBody>
       </p:sp>
@@ -3792,7 +3803,10 @@
           <a:bodyPr/>
           <a:lstStyle/>
           <a:p>
-            <a:endParaRPr lang="en-SG"/>
+            <a:r>
+              <a:rPr lang="en-SG" dirty="0"/>
+              <a:t>Training the Model</a:t>
+            </a:r>
           </a:p>
         </p:txBody>
       </p:sp>
@@ -3817,7 +3831,10 @@
           <a:bodyPr/>
           <a:lstStyle/>
           <a:p>
-            <a:endParaRPr lang="en-SG"/>
+            <a:pPr marL="0" indent="0">
+              <a:buNone/>
+            </a:pPr>
+            <a:endParaRPr lang="en-SG" dirty="0"/>
           </a:p>
         </p:txBody>
       </p:sp>
@@ -3872,35 +3889,42 @@
           <a:bodyPr/>
           <a:lstStyle/>
           <a:p>
-            <a:endParaRPr lang="en-SG"/>
-          </a:p>
-        </p:txBody>
-      </p:sp>
-      <p:sp>
-        <p:nvSpPr>
-          <p:cNvPr id="3" name="Content Placeholder 2">
-            <a:extLst>
-              <a:ext uri="{FF2B5EF4-FFF2-40B4-BE49-F238E27FC236}">
-                <a16:creationId xmlns:a16="http://schemas.microsoft.com/office/drawing/2014/main" id="{AD70FAE2-EEA4-4EFC-A217-C605FE44812E}"/>
-              </a:ext>
-            </a:extLst>
-          </p:cNvPr>
-          <p:cNvSpPr>
-            <a:spLocks noGrp="1"/>
-          </p:cNvSpPr>
+            <a:r>
+              <a:rPr lang="en-SG" dirty="0"/>
+              <a:t>Evaluating the model</a:t>
+            </a:r>
+          </a:p>
+        </p:txBody>
+      </p:sp>
+      <p:pic>
+        <p:nvPicPr>
+          <p:cNvPr id="5" name="Content Placeholder 4">
+            <a:extLst>
+              <a:ext uri="{FF2B5EF4-FFF2-40B4-BE49-F238E27FC236}">
+                <a16:creationId xmlns:a16="http://schemas.microsoft.com/office/drawing/2014/main" id="{BE740CF3-8F09-4081-B91E-9CD98F7CED63}"/>
+              </a:ext>
+            </a:extLst>
+          </p:cNvPr>
+          <p:cNvPicPr>
+            <a:picLocks noGrp="1" noChangeAspect="1"/>
+          </p:cNvPicPr>
           <p:nvPr>
             <p:ph idx="1"/>
           </p:nvPr>
-        </p:nvSpPr>
-        <p:spPr/>
-        <p:txBody>
-          <a:bodyPr/>
-          <a:lstStyle/>
-          <a:p>
-            <a:endParaRPr lang="en-SG"/>
-          </a:p>
-        </p:txBody>
-      </p:sp>
+        </p:nvPicPr>
+        <p:blipFill>
+          <a:blip r:embed="rId2"/>
+          <a:stretch>
+            <a:fillRect/>
+          </a:stretch>
+        </p:blipFill>
+        <p:spPr>
+          <a:xfrm>
+            <a:off x="838200" y="3429000"/>
+            <a:ext cx="4371988" cy="3116443"/>
+          </a:xfrm>
+        </p:spPr>
+      </p:pic>
     </p:spTree>
     <p:extLst>
       <p:ext uri="{BB962C8B-B14F-4D97-AF65-F5344CB8AC3E}">
